--- a/How To Psychopy.pptx
+++ b/How To Psychopy.pptx
@@ -12257,7 +12257,7 @@
         </p:blipFill>
         <p:spPr>
           <a:xfrm>
-            <a:off x="838200" y="2600871"/>
+            <a:off x="838200" y="2600870"/>
             <a:ext cx="10515600" cy="2800845"/>
           </a:xfrm>
         </p:spPr>
@@ -12307,6 +12307,47 @@
           </a:p>
           <a:p>
             <a:endParaRPr lang="en-CA" dirty="0"/>
+          </a:p>
+        </p:txBody>
+      </p:sp>
+      <p:sp>
+        <p:nvSpPr>
+          <p:cNvPr id="3" name="TextBox 2">
+            <a:extLst>
+              <a:ext uri="{FF2B5EF4-FFF2-40B4-BE49-F238E27FC236}">
+                <a16:creationId xmlns:a16="http://schemas.microsoft.com/office/drawing/2014/main" id="{C7113123-A132-EE49-90CF-618E24EBDEE5}"/>
+              </a:ext>
+            </a:extLst>
+          </p:cNvPr>
+          <p:cNvSpPr txBox="1"/>
+          <p:nvPr/>
+        </p:nvSpPr>
+        <p:spPr>
+          <a:xfrm>
+            <a:off x="3384984" y="4046728"/>
+            <a:ext cx="96551" cy="307777"/>
+          </a:xfrm>
+          <a:prstGeom prst="rect">
+            <a:avLst/>
+          </a:prstGeom>
+          <a:solidFill>
+            <a:srgbClr val="1E1E1E"/>
+          </a:solidFill>
+        </p:spPr>
+        <p:txBody>
+          <a:bodyPr wrap="square" rtlCol="0">
+            <a:spAutoFit/>
+          </a:bodyPr>
+          <a:lstStyle/>
+          <a:p>
+            <a:r>
+              <a:rPr lang="en-US" sz="1400" dirty="0">
+                <a:solidFill>
+                  <a:schemeClr val="bg1"/>
+                </a:solidFill>
+              </a:rPr>
+              <a:t>&gt;</a:t>
+            </a:r>
           </a:p>
         </p:txBody>
       </p:sp>
@@ -12729,7 +12770,7 @@
         <p:spPr/>
         <p:txBody>
           <a:bodyPr>
-            <a:normAutofit/>
+            <a:normAutofit lnSpcReduction="10000"/>
           </a:bodyPr>
           <a:lstStyle/>
           <a:p>
@@ -12768,15 +12809,7 @@
           <a:p>
             <a:r>
               <a:rPr lang="en-US" dirty="0"/>
-              <a:t>To activate </a:t>
-            </a:r>
-            <a:r>
-              <a:rPr lang="en-US"/>
-              <a:t>an environment </a:t>
-            </a:r>
-            <a:r>
-              <a:rPr lang="en-US" dirty="0"/>
-              <a:t>use the source activate command with the name of the environment</a:t>
+              <a:t>To activate an environment use the source activate command with the name of the environment</a:t>
             </a:r>
           </a:p>
           <a:p>
@@ -12797,19 +12830,57 @@
               <a:rPr lang="en-CA" dirty="0" err="1"/>
               <a:t>Psychopy</a:t>
             </a:r>
+            <a:r>
+              <a:rPr lang="en-CA" dirty="0"/>
+              <a:t> (for Mac)</a:t>
+            </a:r>
+          </a:p>
+          <a:p>
+            <a:pPr lvl="1"/>
+            <a:r>
+              <a:rPr lang="en-CA" dirty="0" err="1"/>
+              <a:t>Conda</a:t>
+            </a:r>
+            <a:r>
+              <a:rPr lang="en-CA" dirty="0"/>
+              <a:t> activate </a:t>
+            </a:r>
+            <a:r>
+              <a:rPr lang="en-CA" dirty="0" err="1"/>
+              <a:t>Psychopy</a:t>
+            </a:r>
+            <a:r>
+              <a:rPr lang="en-CA" dirty="0"/>
+              <a:t> (for PC)</a:t>
+            </a:r>
+          </a:p>
+          <a:p>
+            <a:r>
+              <a:rPr lang="en-CA" dirty="0"/>
+              <a:t>To deactivate an environment use the source deactivate command</a:t>
+            </a:r>
+          </a:p>
+          <a:p>
+            <a:pPr lvl="1"/>
+            <a:r>
+              <a:rPr lang="en-CA" dirty="0"/>
+              <a:t>Source deactivate </a:t>
+            </a:r>
+            <a:r>
+              <a:rPr lang="en-CA"/>
+              <a:t>(for MAC)</a:t>
+            </a:r>
             <a:endParaRPr lang="en-CA" dirty="0"/>
           </a:p>
           <a:p>
-            <a:r>
-              <a:rPr lang="en-CA" dirty="0"/>
-              <a:t>To deactivate an environment use the source deactivate command</a:t>
-            </a:r>
-          </a:p>
-          <a:p>
             <a:pPr lvl="1"/>
             <a:r>
-              <a:rPr lang="en-CA" dirty="0"/>
-              <a:t>Source deactivate</a:t>
+              <a:rPr lang="en-CA" dirty="0" err="1"/>
+              <a:t>Conda</a:t>
+            </a:r>
+            <a:r>
+              <a:rPr lang="en-CA" dirty="0"/>
+              <a:t> deactivate (for PC)</a:t>
             </a:r>
           </a:p>
           <a:p>
